--- a/Project - STACS Data Analyst Case Study.pptx
+++ b/Project - STACS Data Analyst Case Study.pptx
@@ -6,12 +6,14 @@
   </p:sldMasterIdLst>
   <p:sldIdLst>
     <p:sldId id="256" r:id="rId2"/>
-    <p:sldId id="257" r:id="rId3"/>
-    <p:sldId id="258" r:id="rId4"/>
-    <p:sldId id="259" r:id="rId5"/>
-    <p:sldId id="260" r:id="rId6"/>
-    <p:sldId id="261" r:id="rId7"/>
-    <p:sldId id="262" r:id="rId8"/>
+    <p:sldId id="263" r:id="rId3"/>
+    <p:sldId id="257" r:id="rId4"/>
+    <p:sldId id="258" r:id="rId5"/>
+    <p:sldId id="259" r:id="rId6"/>
+    <p:sldId id="260" r:id="rId7"/>
+    <p:sldId id="261" r:id="rId8"/>
+    <p:sldId id="264" r:id="rId9"/>
+    <p:sldId id="262" r:id="rId10"/>
   </p:sldIdLst>
   <p:sldSz cx="12192000" cy="6858000"/>
   <p:notesSz cx="6858000" cy="9144000"/>
@@ -265,7 +267,7 @@
           <a:p>
             <a:fld id="{47CFBF0A-F8B6-4696-BA7F-67E9E40B9C6B}" type="datetimeFigureOut">
               <a:rPr lang="zh-CN" altLang="en-US" smtClean="0"/>
-              <a:t>2024年2月14日, Wednesday</a:t>
+              <a:t>2024年2月15日, Thursday</a:t>
             </a:fld>
             <a:endParaRPr lang="zh-CN" altLang="en-US"/>
           </a:p>
@@ -463,7 +465,7 @@
           <a:p>
             <a:fld id="{47CFBF0A-F8B6-4696-BA7F-67E9E40B9C6B}" type="datetimeFigureOut">
               <a:rPr lang="zh-CN" altLang="en-US" smtClean="0"/>
-              <a:t>2024年2月14日, Wednesday</a:t>
+              <a:t>2024年2月15日, Thursday</a:t>
             </a:fld>
             <a:endParaRPr lang="zh-CN" altLang="en-US"/>
           </a:p>
@@ -671,7 +673,7 @@
           <a:p>
             <a:fld id="{47CFBF0A-F8B6-4696-BA7F-67E9E40B9C6B}" type="datetimeFigureOut">
               <a:rPr lang="zh-CN" altLang="en-US" smtClean="0"/>
-              <a:t>2024年2月14日, Wednesday</a:t>
+              <a:t>2024年2月15日, Thursday</a:t>
             </a:fld>
             <a:endParaRPr lang="zh-CN" altLang="en-US"/>
           </a:p>
@@ -869,7 +871,7 @@
           <a:p>
             <a:fld id="{47CFBF0A-F8B6-4696-BA7F-67E9E40B9C6B}" type="datetimeFigureOut">
               <a:rPr lang="zh-CN" altLang="en-US" smtClean="0"/>
-              <a:t>2024年2月14日, Wednesday</a:t>
+              <a:t>2024年2月15日, Thursday</a:t>
             </a:fld>
             <a:endParaRPr lang="zh-CN" altLang="en-US"/>
           </a:p>
@@ -1144,7 +1146,7 @@
           <a:p>
             <a:fld id="{47CFBF0A-F8B6-4696-BA7F-67E9E40B9C6B}" type="datetimeFigureOut">
               <a:rPr lang="zh-CN" altLang="en-US" smtClean="0"/>
-              <a:t>2024年2月14日, Wednesday</a:t>
+              <a:t>2024年2月15日, Thursday</a:t>
             </a:fld>
             <a:endParaRPr lang="zh-CN" altLang="en-US"/>
           </a:p>
@@ -1409,7 +1411,7 @@
           <a:p>
             <a:fld id="{47CFBF0A-F8B6-4696-BA7F-67E9E40B9C6B}" type="datetimeFigureOut">
               <a:rPr lang="zh-CN" altLang="en-US" smtClean="0"/>
-              <a:t>2024年2月14日, Wednesday</a:t>
+              <a:t>2024年2月15日, Thursday</a:t>
             </a:fld>
             <a:endParaRPr lang="zh-CN" altLang="en-US"/>
           </a:p>
@@ -1821,7 +1823,7 @@
           <a:p>
             <a:fld id="{47CFBF0A-F8B6-4696-BA7F-67E9E40B9C6B}" type="datetimeFigureOut">
               <a:rPr lang="zh-CN" altLang="en-US" smtClean="0"/>
-              <a:t>2024年2月14日, Wednesday</a:t>
+              <a:t>2024年2月15日, Thursday</a:t>
             </a:fld>
             <a:endParaRPr lang="zh-CN" altLang="en-US"/>
           </a:p>
@@ -1962,7 +1964,7 @@
           <a:p>
             <a:fld id="{47CFBF0A-F8B6-4696-BA7F-67E9E40B9C6B}" type="datetimeFigureOut">
               <a:rPr lang="zh-CN" altLang="en-US" smtClean="0"/>
-              <a:t>2024年2月14日, Wednesday</a:t>
+              <a:t>2024年2月15日, Thursday</a:t>
             </a:fld>
             <a:endParaRPr lang="zh-CN" altLang="en-US"/>
           </a:p>
@@ -2075,7 +2077,7 @@
           <a:p>
             <a:fld id="{47CFBF0A-F8B6-4696-BA7F-67E9E40B9C6B}" type="datetimeFigureOut">
               <a:rPr lang="zh-CN" altLang="en-US" smtClean="0"/>
-              <a:t>2024年2月14日, Wednesday</a:t>
+              <a:t>2024年2月15日, Thursday</a:t>
             </a:fld>
             <a:endParaRPr lang="zh-CN" altLang="en-US"/>
           </a:p>
@@ -2386,7 +2388,7 @@
           <a:p>
             <a:fld id="{47CFBF0A-F8B6-4696-BA7F-67E9E40B9C6B}" type="datetimeFigureOut">
               <a:rPr lang="zh-CN" altLang="en-US" smtClean="0"/>
-              <a:t>2024年2月14日, Wednesday</a:t>
+              <a:t>2024年2月15日, Thursday</a:t>
             </a:fld>
             <a:endParaRPr lang="zh-CN" altLang="en-US"/>
           </a:p>
@@ -2674,7 +2676,7 @@
           <a:p>
             <a:fld id="{47CFBF0A-F8B6-4696-BA7F-67E9E40B9C6B}" type="datetimeFigureOut">
               <a:rPr lang="zh-CN" altLang="en-US" smtClean="0"/>
-              <a:t>2024年2月14日, Wednesday</a:t>
+              <a:t>2024年2月15日, Thursday</a:t>
             </a:fld>
             <a:endParaRPr lang="zh-CN" altLang="en-US"/>
           </a:p>
@@ -2915,7 +2917,7 @@
           <a:p>
             <a:fld id="{47CFBF0A-F8B6-4696-BA7F-67E9E40B9C6B}" type="datetimeFigureOut">
               <a:rPr lang="zh-CN" altLang="en-US" smtClean="0"/>
-              <a:t>2024年2月14日, Wednesday</a:t>
+              <a:t>2024年2月15日, Thursday</a:t>
             </a:fld>
             <a:endParaRPr lang="zh-CN" altLang="en-US"/>
           </a:p>
@@ -3441,7 +3443,7 @@
           <p:cNvPr id="2" name="标题 1">
             <a:extLst>
               <a:ext uri="{FF2B5EF4-FFF2-40B4-BE49-F238E27FC236}">
-                <a16:creationId xmlns:a16="http://schemas.microsoft.com/office/drawing/2014/main" id="{8B239469-7EF9-B708-6193-EF6945316A63}"/>
+                <a16:creationId xmlns:a16="http://schemas.microsoft.com/office/drawing/2014/main" id="{FC943665-1038-814D-A789-C23077994C27}"/>
               </a:ext>
             </a:extLst>
           </p:cNvPr>
@@ -3454,171 +3456,137 @@
         </p:nvSpPr>
         <p:spPr>
           <a:xfrm>
-            <a:off x="838200" y="169682"/>
-            <a:ext cx="10515600" cy="904974"/>
+            <a:off x="838200" y="365125"/>
+            <a:ext cx="10515600" cy="1264892"/>
           </a:xfrm>
         </p:spPr>
         <p:txBody>
-          <a:bodyPr/>
-          <a:lstStyle/>
-          <a:p>
-            <a:r>
-              <a:rPr lang="en-US" altLang="zh-CN" b="1" i="0" dirty="0">
+          <a:bodyPr>
+            <a:normAutofit fontScale="90000"/>
+          </a:bodyPr>
+          <a:lstStyle/>
+          <a:p>
+            <a:pPr algn="ctr"/>
+            <a:r>
+              <a:rPr lang="en-US" altLang="zh-CN" dirty="0"/>
+              <a:t>Table of Content</a:t>
+            </a:r>
+            <a:br>
+              <a:rPr lang="en-US" altLang="zh-CN" dirty="0"/>
+            </a:br>
+            <a:endParaRPr lang="zh-CN" altLang="en-US" dirty="0"/>
+          </a:p>
+        </p:txBody>
+      </p:sp>
+      <p:sp>
+        <p:nvSpPr>
+          <p:cNvPr id="3" name="内容占位符 2">
+            <a:extLst>
+              <a:ext uri="{FF2B5EF4-FFF2-40B4-BE49-F238E27FC236}">
+                <a16:creationId xmlns:a16="http://schemas.microsoft.com/office/drawing/2014/main" id="{C24F3965-1001-A412-2969-828185608117}"/>
+              </a:ext>
+            </a:extLst>
+          </p:cNvPr>
+          <p:cNvSpPr>
+            <a:spLocks noGrp="1"/>
+          </p:cNvSpPr>
+          <p:nvPr>
+            <p:ph idx="1"/>
+          </p:nvPr>
+        </p:nvSpPr>
+        <p:spPr>
+          <a:xfrm>
+            <a:off x="838200" y="1371600"/>
+            <a:ext cx="10515600" cy="4874937"/>
+          </a:xfrm>
+        </p:spPr>
+        <p:txBody>
+          <a:bodyPr>
+            <a:normAutofit/>
+          </a:bodyPr>
+          <a:lstStyle/>
+          <a:p>
+            <a:r>
+              <a:rPr lang="en-US" altLang="zh-CN" i="0" dirty="0">
                 <a:solidFill>
                   <a:srgbClr val="000000"/>
                 </a:solidFill>
                 <a:effectLst/>
-                <a:latin typeface="Helvetica Neue"/>
               </a:rPr>
               <a:t>Case Study Description</a:t>
             </a:r>
-            <a:endParaRPr lang="zh-CN" altLang="en-US" dirty="0"/>
-          </a:p>
-        </p:txBody>
-      </p:sp>
-      <p:sp>
-        <p:nvSpPr>
-          <p:cNvPr id="3" name="内容占位符 2">
-            <a:extLst>
-              <a:ext uri="{FF2B5EF4-FFF2-40B4-BE49-F238E27FC236}">
-                <a16:creationId xmlns:a16="http://schemas.microsoft.com/office/drawing/2014/main" id="{25B742C6-E444-79E4-5072-3C7A588C5AE5}"/>
-              </a:ext>
-            </a:extLst>
-          </p:cNvPr>
-          <p:cNvSpPr>
-            <a:spLocks noGrp="1"/>
-          </p:cNvSpPr>
-          <p:nvPr>
-            <p:ph idx="1"/>
-          </p:nvPr>
-        </p:nvSpPr>
-        <p:spPr>
-          <a:xfrm>
-            <a:off x="416939" y="1258479"/>
-            <a:ext cx="11358121" cy="5354424"/>
-          </a:xfrm>
-        </p:spPr>
-        <p:txBody>
-          <a:bodyPr>
-            <a:normAutofit fontScale="85000" lnSpcReduction="20000"/>
-          </a:bodyPr>
-          <a:lstStyle/>
-          <a:p>
-            <a:pPr marL="0" indent="0">
-              <a:buNone/>
-            </a:pPr>
-            <a:r>
-              <a:rPr lang="en-US" altLang="zh-CN" sz="2100" dirty="0"/>
-              <a:t>ESGpedia regularly collects datasets from various data registries and data partners. For this case study, you will be tasked to collect and analyze data from a data registry called NABERS.</a:t>
-            </a:r>
-          </a:p>
-          <a:p>
-            <a:pPr marL="0" indent="0">
-              <a:buNone/>
-            </a:pPr>
-            <a:r>
-              <a:rPr lang="en-US" altLang="zh-CN" sz="2100" dirty="0"/>
-              <a:t>NABERS (National Australian Built Environment Rating System) is a sustainable rating for buildings in Australia. A NABERS rating helps building owners to accurately measure and communicate the environmental performance and progress of buildings. It also identifies areas for savings and improvements.</a:t>
-            </a:r>
-          </a:p>
-          <a:p>
-            <a:pPr marL="0" indent="0">
-              <a:buNone/>
-            </a:pPr>
-            <a:r>
-              <a:rPr lang="en-US" altLang="zh-CN" sz="2100" dirty="0"/>
-              <a:t>The data is publicly available here: https://www.nabers.gov.au/ratings/find-a-current-rating.</a:t>
-            </a:r>
-          </a:p>
-          <a:p>
-            <a:pPr marL="0" indent="0">
-              <a:buNone/>
-            </a:pPr>
-            <a:r>
-              <a:rPr lang="en-US" altLang="zh-CN" sz="2100" dirty="0"/>
-              <a:t>Requirements: </a:t>
-            </a:r>
-          </a:p>
-          <a:p>
-            <a:pPr marL="0" indent="0">
-              <a:buNone/>
-            </a:pPr>
-            <a:r>
-              <a:rPr lang="en-US" altLang="zh-CN" sz="2100" dirty="0"/>
-              <a:t>• Explain and show how you would automate the collection of the data from the website.</a:t>
-            </a:r>
-          </a:p>
-          <a:p>
-            <a:pPr marL="0" indent="0">
-              <a:buNone/>
-            </a:pPr>
-            <a:r>
-              <a:rPr lang="en-US" altLang="zh-CN" sz="2100" dirty="0"/>
-              <a:t>• Carry out any data cleaning and data processing steps where necessary. </a:t>
-            </a:r>
-          </a:p>
-          <a:p>
-            <a:pPr marL="0" indent="0">
-              <a:buNone/>
-            </a:pPr>
-            <a:r>
-              <a:rPr lang="en-US" altLang="zh-CN" sz="2100" dirty="0"/>
-              <a:t>• Present the data in an interactive dashboard to capture any insights you would like to highlight or point out. </a:t>
-            </a:r>
-          </a:p>
-          <a:p>
-            <a:pPr marL="0" indent="0">
-              <a:buNone/>
-            </a:pPr>
-            <a:r>
-              <a:rPr lang="en-US" altLang="zh-CN" sz="2100" dirty="0"/>
-              <a:t>• Languages to use: Python/SQL.</a:t>
-            </a:r>
-          </a:p>
-          <a:p>
-            <a:pPr marL="0" indent="0">
-              <a:buNone/>
-            </a:pPr>
-            <a:r>
-              <a:rPr lang="en-US" altLang="zh-CN" sz="2100" dirty="0"/>
-              <a:t>Some guiding questions have been provided below to assist you in your analysis. Please note that these questions are not exhaustive and you are highly encouraged to generate additional questions that you believe will be relevant to the task.</a:t>
-            </a:r>
-          </a:p>
-          <a:p>
-            <a:pPr marL="0" indent="0">
-              <a:buNone/>
-            </a:pPr>
-            <a:r>
-              <a:rPr lang="en-US" altLang="zh-CN" sz="2100" dirty="0"/>
-              <a:t>• How often should the data be collected? </a:t>
-            </a:r>
-          </a:p>
-          <a:p>
-            <a:pPr marL="0" indent="0">
-              <a:buNone/>
-            </a:pPr>
-            <a:r>
-              <a:rPr lang="en-US" altLang="zh-CN" sz="2100" dirty="0"/>
-              <a:t>• What is the distribution of green buildings in Australia? </a:t>
-            </a:r>
-          </a:p>
-          <a:p>
-            <a:pPr marL="0" indent="0">
-              <a:buNone/>
-            </a:pPr>
-            <a:r>
-              <a:rPr lang="en-US" altLang="zh-CN" sz="2100" dirty="0"/>
-              <a:t>• How many certificates are expiring soon? </a:t>
-            </a:r>
-          </a:p>
-          <a:p>
-            <a:pPr marL="0" indent="0">
-              <a:buNone/>
-            </a:pPr>
-            <a:r>
-              <a:rPr lang="en-US" altLang="zh-CN" sz="2100" dirty="0"/>
-              <a:t>• What is the average rating value of each building?</a:t>
-            </a:r>
+          </a:p>
+          <a:p>
+            <a:r>
+              <a:rPr lang="en-US" altLang="zh-CN" sz="2800" dirty="0"/>
+              <a:t>How often should the data be collected? </a:t>
+            </a:r>
+          </a:p>
+          <a:p>
+            <a:r>
+              <a:rPr lang="en-US" altLang="zh-CN" sz="2800" dirty="0"/>
+              <a:t>What is the distribution of green buildings in Australia? </a:t>
+            </a:r>
+          </a:p>
+          <a:p>
+            <a:r>
+              <a:rPr lang="en-US" altLang="zh-CN" sz="2800" dirty="0"/>
+              <a:t>How many certificates are expiring soon? </a:t>
+            </a:r>
+          </a:p>
+          <a:p>
+            <a:r>
+              <a:rPr lang="en-US" altLang="zh-CN" sz="2800" dirty="0"/>
+              <a:t>What is the average rating value of each building?</a:t>
+            </a:r>
+          </a:p>
+          <a:p>
+            <a:r>
+              <a:rPr lang="en-US" altLang="zh-CN" sz="2800" dirty="0"/>
+              <a:t>Project - STACS</a:t>
+            </a:r>
+            <a:r>
+              <a:rPr lang="en-US" altLang="zh-CN" dirty="0"/>
+              <a:t> </a:t>
+            </a:r>
+            <a:r>
+              <a:rPr lang="en-US" altLang="zh-CN" sz="2800" dirty="0"/>
+              <a:t>Data</a:t>
+            </a:r>
+            <a:r>
+              <a:rPr lang="en-US" altLang="zh-CN" dirty="0"/>
+              <a:t> </a:t>
+            </a:r>
+            <a:r>
+              <a:rPr lang="en-US" altLang="zh-CN" sz="2800" dirty="0"/>
+              <a:t>Analyst</a:t>
+            </a:r>
+            <a:r>
+              <a:rPr lang="en-US" altLang="zh-CN" dirty="0"/>
+              <a:t> </a:t>
+            </a:r>
+            <a:r>
+              <a:rPr lang="en-US" altLang="zh-CN" sz="2800" dirty="0"/>
+              <a:t>Case</a:t>
+            </a:r>
+            <a:r>
+              <a:rPr lang="en-US" altLang="zh-CN" dirty="0"/>
+              <a:t> </a:t>
+            </a:r>
+            <a:r>
+              <a:rPr lang="en-US" altLang="zh-CN" sz="2800" dirty="0"/>
+              <a:t>Study GitHub URL: </a:t>
+            </a:r>
+            <a:r>
+              <a:rPr lang="en-US" altLang="zh-CN" sz="2800" dirty="0">
+                <a:hlinkClick r:id="rId2"/>
+              </a:rPr>
+              <a:t>link</a:t>
+            </a:r>
+            <a:endParaRPr lang="en-US" altLang="zh-CN" sz="2800" dirty="0"/>
+          </a:p>
+          <a:p>
+            <a:endParaRPr lang="en-US" altLang="zh-CN" sz="2800" dirty="0"/>
           </a:p>
           <a:p>
             <a:pPr marL="0" indent="0">
@@ -3631,7 +3599,7 @@
     </p:spTree>
     <p:extLst>
       <p:ext uri="{BB962C8B-B14F-4D97-AF65-F5344CB8AC3E}">
-        <p14:creationId xmlns:p14="http://schemas.microsoft.com/office/powerpoint/2010/main" val="2519044081"/>
+        <p14:creationId xmlns:p14="http://schemas.microsoft.com/office/powerpoint/2010/main" val="494753242"/>
       </p:ext>
     </p:extLst>
   </p:cSld>
@@ -3663,6 +3631,228 @@
           <p:cNvPr id="2" name="标题 1">
             <a:extLst>
               <a:ext uri="{FF2B5EF4-FFF2-40B4-BE49-F238E27FC236}">
+                <a16:creationId xmlns:a16="http://schemas.microsoft.com/office/drawing/2014/main" id="{8B239469-7EF9-B708-6193-EF6945316A63}"/>
+              </a:ext>
+            </a:extLst>
+          </p:cNvPr>
+          <p:cNvSpPr>
+            <a:spLocks noGrp="1"/>
+          </p:cNvSpPr>
+          <p:nvPr>
+            <p:ph type="title"/>
+          </p:nvPr>
+        </p:nvSpPr>
+        <p:spPr>
+          <a:xfrm>
+            <a:off x="649356" y="245097"/>
+            <a:ext cx="10515600" cy="904974"/>
+          </a:xfrm>
+        </p:spPr>
+        <p:txBody>
+          <a:bodyPr/>
+          <a:lstStyle/>
+          <a:p>
+            <a:pPr algn="ctr"/>
+            <a:r>
+              <a:rPr lang="en-US" altLang="zh-CN" i="0" dirty="0">
+                <a:solidFill>
+                  <a:srgbClr val="000000"/>
+                </a:solidFill>
+                <a:effectLst/>
+              </a:rPr>
+              <a:t>Case Study Description</a:t>
+            </a:r>
+            <a:endParaRPr lang="zh-CN" altLang="en-US" dirty="0"/>
+          </a:p>
+        </p:txBody>
+      </p:sp>
+      <p:sp>
+        <p:nvSpPr>
+          <p:cNvPr id="3" name="内容占位符 2">
+            <a:extLst>
+              <a:ext uri="{FF2B5EF4-FFF2-40B4-BE49-F238E27FC236}">
+                <a16:creationId xmlns:a16="http://schemas.microsoft.com/office/drawing/2014/main" id="{25B742C6-E444-79E4-5072-3C7A588C5AE5}"/>
+              </a:ext>
+            </a:extLst>
+          </p:cNvPr>
+          <p:cNvSpPr>
+            <a:spLocks noGrp="1"/>
+          </p:cNvSpPr>
+          <p:nvPr>
+            <p:ph idx="1"/>
+          </p:nvPr>
+        </p:nvSpPr>
+        <p:spPr>
+          <a:xfrm>
+            <a:off x="416939" y="1258479"/>
+            <a:ext cx="11358121" cy="5354424"/>
+          </a:xfrm>
+        </p:spPr>
+        <p:txBody>
+          <a:bodyPr>
+            <a:normAutofit fontScale="85000" lnSpcReduction="20000"/>
+          </a:bodyPr>
+          <a:lstStyle/>
+          <a:p>
+            <a:pPr marL="0" indent="0">
+              <a:buNone/>
+            </a:pPr>
+            <a:r>
+              <a:rPr lang="en-US" altLang="zh-CN" sz="2100" dirty="0"/>
+              <a:t>ESGpedia regularly collects datasets from various data registries and data partners. For this case study, you will be tasked to collect and analyze data from a data registry called NABERS.</a:t>
+            </a:r>
+          </a:p>
+          <a:p>
+            <a:pPr marL="0" indent="0">
+              <a:buNone/>
+            </a:pPr>
+            <a:r>
+              <a:rPr lang="en-US" altLang="zh-CN" sz="2100" dirty="0"/>
+              <a:t>NABERS (National Australian Built Environment Rating System) is a sustainable rating for buildings in Australia. A NABERS rating helps building owners to accurately measure and communicate the environmental performance and progress of buildings. It also identifies areas for savings and improvements.</a:t>
+            </a:r>
+          </a:p>
+          <a:p>
+            <a:pPr marL="0" indent="0">
+              <a:buNone/>
+            </a:pPr>
+            <a:r>
+              <a:rPr lang="en-US" altLang="zh-CN" sz="2100" dirty="0"/>
+              <a:t>The data is publicly available here: https://www.nabers.gov.au/ratings/find-a-current-rating.</a:t>
+            </a:r>
+          </a:p>
+          <a:p>
+            <a:pPr marL="0" indent="0">
+              <a:buNone/>
+            </a:pPr>
+            <a:r>
+              <a:rPr lang="en-US" altLang="zh-CN" sz="2100" dirty="0"/>
+              <a:t>Requirements: </a:t>
+            </a:r>
+          </a:p>
+          <a:p>
+            <a:pPr marL="0" indent="0">
+              <a:buNone/>
+            </a:pPr>
+            <a:r>
+              <a:rPr lang="en-US" altLang="zh-CN" sz="2100" dirty="0"/>
+              <a:t>• Explain and show how you would automate the collection of the data from the website.</a:t>
+            </a:r>
+          </a:p>
+          <a:p>
+            <a:pPr marL="0" indent="0">
+              <a:buNone/>
+            </a:pPr>
+            <a:r>
+              <a:rPr lang="en-US" altLang="zh-CN" sz="2100" dirty="0"/>
+              <a:t>• Carry out any data cleaning and data processing steps where necessary. </a:t>
+            </a:r>
+          </a:p>
+          <a:p>
+            <a:pPr marL="0" indent="0">
+              <a:buNone/>
+            </a:pPr>
+            <a:r>
+              <a:rPr lang="en-US" altLang="zh-CN" sz="2100" dirty="0"/>
+              <a:t>• Present the data in an interactive dashboard to capture any insights you would like to highlight or point out. </a:t>
+            </a:r>
+          </a:p>
+          <a:p>
+            <a:pPr marL="0" indent="0">
+              <a:buNone/>
+            </a:pPr>
+            <a:r>
+              <a:rPr lang="en-US" altLang="zh-CN" sz="2100" dirty="0"/>
+              <a:t>• Languages to use: Python/SQL.</a:t>
+            </a:r>
+          </a:p>
+          <a:p>
+            <a:pPr marL="0" indent="0">
+              <a:buNone/>
+            </a:pPr>
+            <a:r>
+              <a:rPr lang="en-US" altLang="zh-CN" sz="2100" dirty="0"/>
+              <a:t>Some guiding questions have been provided below to assist you in your analysis. Please note that these questions are not exhaustive and you are highly encouraged to generate additional questions that you believe will be relevant to the task.</a:t>
+            </a:r>
+          </a:p>
+          <a:p>
+            <a:pPr marL="0" indent="0">
+              <a:buNone/>
+            </a:pPr>
+            <a:r>
+              <a:rPr lang="en-US" altLang="zh-CN" sz="2100" dirty="0"/>
+              <a:t>• How often should the data be collected? </a:t>
+            </a:r>
+          </a:p>
+          <a:p>
+            <a:pPr marL="0" indent="0">
+              <a:buNone/>
+            </a:pPr>
+            <a:r>
+              <a:rPr lang="en-US" altLang="zh-CN" sz="2100" dirty="0"/>
+              <a:t>• What is the distribution of green buildings in Australia? </a:t>
+            </a:r>
+          </a:p>
+          <a:p>
+            <a:pPr marL="0" indent="0">
+              <a:buNone/>
+            </a:pPr>
+            <a:r>
+              <a:rPr lang="en-US" altLang="zh-CN" sz="2100" dirty="0"/>
+              <a:t>• How many certificates are expiring soon? </a:t>
+            </a:r>
+          </a:p>
+          <a:p>
+            <a:pPr marL="0" indent="0">
+              <a:buNone/>
+            </a:pPr>
+            <a:r>
+              <a:rPr lang="en-US" altLang="zh-CN" sz="2100" dirty="0"/>
+              <a:t>• What is the average rating value of each building?</a:t>
+            </a:r>
+          </a:p>
+          <a:p>
+            <a:pPr marL="0" indent="0">
+              <a:buNone/>
+            </a:pPr>
+            <a:endParaRPr lang="zh-CN" altLang="en-US" dirty="0"/>
+          </a:p>
+        </p:txBody>
+      </p:sp>
+    </p:spTree>
+    <p:extLst>
+      <p:ext uri="{BB962C8B-B14F-4D97-AF65-F5344CB8AC3E}">
+        <p14:creationId xmlns:p14="http://schemas.microsoft.com/office/powerpoint/2010/main" val="2519044081"/>
+      </p:ext>
+    </p:extLst>
+  </p:cSld>
+  <p:clrMapOvr>
+    <a:masterClrMapping/>
+  </p:clrMapOvr>
+</p:sld>
+</file>
+
+<file path=ppt/slides/slide4.xml><?xml version="1.0" encoding="utf-8"?>
+<p:sld xmlns:a="http://schemas.openxmlformats.org/drawingml/2006/main" xmlns:r="http://schemas.openxmlformats.org/officeDocument/2006/relationships" xmlns:p="http://schemas.openxmlformats.org/presentationml/2006/main">
+  <p:cSld>
+    <p:spTree>
+      <p:nvGrpSpPr>
+        <p:cNvPr id="1" name=""/>
+        <p:cNvGrpSpPr/>
+        <p:nvPr/>
+      </p:nvGrpSpPr>
+      <p:grpSpPr>
+        <a:xfrm>
+          <a:off x="0" y="0"/>
+          <a:ext cx="0" cy="0"/>
+          <a:chOff x="0" y="0"/>
+          <a:chExt cx="0" cy="0"/>
+        </a:xfrm>
+      </p:grpSpPr>
+      <p:sp>
+        <p:nvSpPr>
+          <p:cNvPr id="2" name="标题 1">
+            <a:extLst>
+              <a:ext uri="{FF2B5EF4-FFF2-40B4-BE49-F238E27FC236}">
                 <a16:creationId xmlns:a16="http://schemas.microsoft.com/office/drawing/2014/main" id="{17E79950-99A4-D839-0B2D-46B4C5BE68F4}"/>
               </a:ext>
             </a:extLst>
@@ -3814,7 +4004,7 @@
 </p:sld>
 </file>
 
-<file path=ppt/slides/slide4.xml><?xml version="1.0" encoding="utf-8"?>
+<file path=ppt/slides/slide5.xml><?xml version="1.0" encoding="utf-8"?>
 <p:sld xmlns:a="http://schemas.openxmlformats.org/drawingml/2006/main" xmlns:r="http://schemas.openxmlformats.org/officeDocument/2006/relationships" xmlns:p="http://schemas.openxmlformats.org/presentationml/2006/main">
   <p:cSld>
     <p:spTree>
@@ -3987,7 +4177,7 @@
 </p:sld>
 </file>
 
-<file path=ppt/slides/slide5.xml><?xml version="1.0" encoding="utf-8"?>
+<file path=ppt/slides/slide6.xml><?xml version="1.0" encoding="utf-8"?>
 <p:sld xmlns:a="http://schemas.openxmlformats.org/drawingml/2006/main" xmlns:r="http://schemas.openxmlformats.org/officeDocument/2006/relationships" xmlns:p="http://schemas.openxmlformats.org/presentationml/2006/main">
   <p:cSld>
     <p:spTree>
@@ -4143,7 +4333,7 @@
 </p:sld>
 </file>
 
-<file path=ppt/slides/slide6.xml><?xml version="1.0" encoding="utf-8"?>
+<file path=ppt/slides/slide7.xml><?xml version="1.0" encoding="utf-8"?>
 <p:sld xmlns:a="http://schemas.openxmlformats.org/drawingml/2006/main" xmlns:r="http://schemas.openxmlformats.org/officeDocument/2006/relationships" xmlns:p="http://schemas.openxmlformats.org/presentationml/2006/main">
   <p:cSld>
     <p:spTree>
@@ -4298,7 +4488,146 @@
 </p:sld>
 </file>
 
-<file path=ppt/slides/slide7.xml><?xml version="1.0" encoding="utf-8"?>
+<file path=ppt/slides/slide8.xml><?xml version="1.0" encoding="utf-8"?>
+<p:sld xmlns:a="http://schemas.openxmlformats.org/drawingml/2006/main" xmlns:r="http://schemas.openxmlformats.org/officeDocument/2006/relationships" xmlns:p="http://schemas.openxmlformats.org/presentationml/2006/main">
+  <p:cSld>
+    <p:spTree>
+      <p:nvGrpSpPr>
+        <p:cNvPr id="1" name=""/>
+        <p:cNvGrpSpPr/>
+        <p:nvPr/>
+      </p:nvGrpSpPr>
+      <p:grpSpPr>
+        <a:xfrm>
+          <a:off x="0" y="0"/>
+          <a:ext cx="0" cy="0"/>
+          <a:chOff x="0" y="0"/>
+          <a:chExt cx="0" cy="0"/>
+        </a:xfrm>
+      </p:grpSpPr>
+      <p:sp>
+        <p:nvSpPr>
+          <p:cNvPr id="2" name="标题 1">
+            <a:extLst>
+              <a:ext uri="{FF2B5EF4-FFF2-40B4-BE49-F238E27FC236}">
+                <a16:creationId xmlns:a16="http://schemas.microsoft.com/office/drawing/2014/main" id="{B598D7FC-1EB8-26FA-7BEA-E153E2938227}"/>
+              </a:ext>
+            </a:extLst>
+          </p:cNvPr>
+          <p:cNvSpPr>
+            <a:spLocks noGrp="1"/>
+          </p:cNvSpPr>
+          <p:nvPr>
+            <p:ph type="title"/>
+          </p:nvPr>
+        </p:nvSpPr>
+        <p:spPr>
+          <a:xfrm>
+            <a:off x="838200" y="365125"/>
+            <a:ext cx="10353261" cy="1325563"/>
+          </a:xfrm>
+        </p:spPr>
+        <p:txBody>
+          <a:bodyPr/>
+          <a:lstStyle/>
+          <a:p>
+            <a:r>
+              <a:rPr lang="en-US" altLang="zh-CN" sz="4400" dirty="0"/>
+              <a:t>Project - STACS</a:t>
+            </a:r>
+            <a:r>
+              <a:rPr lang="en-US" altLang="zh-CN" dirty="0"/>
+              <a:t> </a:t>
+            </a:r>
+            <a:r>
+              <a:rPr lang="en-US" altLang="zh-CN" sz="4400" dirty="0"/>
+              <a:t>Data</a:t>
+            </a:r>
+            <a:r>
+              <a:rPr lang="en-US" altLang="zh-CN" dirty="0"/>
+              <a:t> </a:t>
+            </a:r>
+            <a:r>
+              <a:rPr lang="en-US" altLang="zh-CN" sz="4400" dirty="0"/>
+              <a:t>Analyst</a:t>
+            </a:r>
+            <a:r>
+              <a:rPr lang="en-US" altLang="zh-CN" dirty="0"/>
+              <a:t> </a:t>
+            </a:r>
+            <a:r>
+              <a:rPr lang="en-US" altLang="zh-CN" sz="4400" dirty="0"/>
+              <a:t>Case</a:t>
+            </a:r>
+            <a:r>
+              <a:rPr lang="en-US" altLang="zh-CN" dirty="0"/>
+              <a:t> </a:t>
+            </a:r>
+            <a:r>
+              <a:rPr lang="en-US" altLang="zh-CN" sz="4400" dirty="0"/>
+              <a:t>Study GitHub URL</a:t>
+            </a:r>
+            <a:endParaRPr lang="zh-CN" altLang="en-US" dirty="0"/>
+          </a:p>
+        </p:txBody>
+      </p:sp>
+      <p:sp>
+        <p:nvSpPr>
+          <p:cNvPr id="3" name="内容占位符 2">
+            <a:extLst>
+              <a:ext uri="{FF2B5EF4-FFF2-40B4-BE49-F238E27FC236}">
+                <a16:creationId xmlns:a16="http://schemas.microsoft.com/office/drawing/2014/main" id="{F7DB1A42-6F4F-0377-15A8-0D767F87EEF2}"/>
+              </a:ext>
+            </a:extLst>
+          </p:cNvPr>
+          <p:cNvSpPr>
+            <a:spLocks noGrp="1"/>
+          </p:cNvSpPr>
+          <p:nvPr>
+            <p:ph idx="1"/>
+          </p:nvPr>
+        </p:nvSpPr>
+        <p:spPr>
+          <a:xfrm>
+            <a:off x="838200" y="1994590"/>
+            <a:ext cx="10515600" cy="4351338"/>
+          </a:xfrm>
+        </p:spPr>
+        <p:txBody>
+          <a:bodyPr/>
+          <a:lstStyle/>
+          <a:p>
+            <a:r>
+              <a:rPr lang="en-US" altLang="zh-CN" dirty="0"/>
+              <a:t>URL:</a:t>
+            </a:r>
+            <a:r>
+              <a:rPr lang="en-US" altLang="zh-CN" dirty="0">
+                <a:hlinkClick r:id="rId2"/>
+              </a:rPr>
+              <a:t>https://github.com/guanp2023/Project_STACS_Data_Analyst_Case_Study/tree/main</a:t>
+            </a:r>
+            <a:endParaRPr lang="en-US" altLang="zh-CN" dirty="0"/>
+          </a:p>
+          <a:p>
+            <a:endParaRPr lang="zh-CN" altLang="en-US" dirty="0"/>
+          </a:p>
+        </p:txBody>
+      </p:sp>
+    </p:spTree>
+    <p:extLst>
+      <p:ext uri="{BB962C8B-B14F-4D97-AF65-F5344CB8AC3E}">
+        <p14:creationId xmlns:p14="http://schemas.microsoft.com/office/powerpoint/2010/main" val="1794003181"/>
+      </p:ext>
+    </p:extLst>
+  </p:cSld>
+  <p:clrMapOvr>
+    <a:masterClrMapping/>
+  </p:clrMapOvr>
+</p:sld>
+</file>
+
+<file path=ppt/slides/slide9.xml><?xml version="1.0" encoding="utf-8"?>
 <p:sld xmlns:a="http://schemas.openxmlformats.org/drawingml/2006/main" xmlns:r="http://schemas.openxmlformats.org/officeDocument/2006/relationships" xmlns:p="http://schemas.openxmlformats.org/presentationml/2006/main">
   <p:cSld>
     <p:spTree>
